--- a/Сборник Игр.pptx
+++ b/Сборник Игр.pptx
@@ -15,8 +15,9 @@
     <p:sldId id="272" r:id="rId9"/>
     <p:sldId id="271" r:id="rId10"/>
     <p:sldId id="273" r:id="rId11"/>
-    <p:sldId id="265" r:id="rId12"/>
-    <p:sldId id="262" r:id="rId13"/>
+    <p:sldId id="274" r:id="rId12"/>
+    <p:sldId id="265" r:id="rId13"/>
+    <p:sldId id="262" r:id="rId14"/>
   </p:sldIdLst>
   <p:sldSz cx="12192000" cy="6858000"/>
   <p:notesSz cx="6858000" cy="9144000"/>
@@ -285,7 +286,7 @@
           <a:p>
             <a:fld id="{F07CD3FD-BE54-4400-942B-C6C15AA73DFD}" type="datetimeFigureOut">
               <a:rPr lang="en-US" smtClean="0"/>
-              <a:t>1/8/2024</a:t>
+              <a:t>1/11/2024</a:t>
             </a:fld>
             <a:endParaRPr lang="en-US"/>
           </a:p>
@@ -483,7 +484,7 @@
           <a:p>
             <a:fld id="{F07CD3FD-BE54-4400-942B-C6C15AA73DFD}" type="datetimeFigureOut">
               <a:rPr lang="en-US" smtClean="0"/>
-              <a:t>1/8/2024</a:t>
+              <a:t>1/11/2024</a:t>
             </a:fld>
             <a:endParaRPr lang="en-US"/>
           </a:p>
@@ -691,7 +692,7 @@
           <a:p>
             <a:fld id="{F07CD3FD-BE54-4400-942B-C6C15AA73DFD}" type="datetimeFigureOut">
               <a:rPr lang="en-US" smtClean="0"/>
-              <a:t>1/8/2024</a:t>
+              <a:t>1/11/2024</a:t>
             </a:fld>
             <a:endParaRPr lang="en-US"/>
           </a:p>
@@ -889,7 +890,7 @@
           <a:p>
             <a:fld id="{F07CD3FD-BE54-4400-942B-C6C15AA73DFD}" type="datetimeFigureOut">
               <a:rPr lang="en-US" smtClean="0"/>
-              <a:t>1/8/2024</a:t>
+              <a:t>1/11/2024</a:t>
             </a:fld>
             <a:endParaRPr lang="en-US"/>
           </a:p>
@@ -1168,7 +1169,7 @@
           <a:p>
             <a:fld id="{F07CD3FD-BE54-4400-942B-C6C15AA73DFD}" type="datetimeFigureOut">
               <a:rPr lang="en-US" smtClean="0"/>
-              <a:t>1/8/2024</a:t>
+              <a:t>1/11/2024</a:t>
             </a:fld>
             <a:endParaRPr lang="en-US"/>
           </a:p>
@@ -1433,7 +1434,7 @@
           <a:p>
             <a:fld id="{F07CD3FD-BE54-4400-942B-C6C15AA73DFD}" type="datetimeFigureOut">
               <a:rPr lang="en-US" smtClean="0"/>
-              <a:t>1/8/2024</a:t>
+              <a:t>1/11/2024</a:t>
             </a:fld>
             <a:endParaRPr lang="en-US"/>
           </a:p>
@@ -1849,7 +1850,7 @@
           <a:p>
             <a:fld id="{F07CD3FD-BE54-4400-942B-C6C15AA73DFD}" type="datetimeFigureOut">
               <a:rPr lang="en-US" smtClean="0"/>
-              <a:t>1/8/2024</a:t>
+              <a:t>1/11/2024</a:t>
             </a:fld>
             <a:endParaRPr lang="en-US"/>
           </a:p>
@@ -1990,7 +1991,7 @@
           <a:p>
             <a:fld id="{F07CD3FD-BE54-4400-942B-C6C15AA73DFD}" type="datetimeFigureOut">
               <a:rPr lang="en-US" smtClean="0"/>
-              <a:t>1/8/2024</a:t>
+              <a:t>1/11/2024</a:t>
             </a:fld>
             <a:endParaRPr lang="en-US"/>
           </a:p>
@@ -2103,7 +2104,7 @@
           <a:p>
             <a:fld id="{F07CD3FD-BE54-4400-942B-C6C15AA73DFD}" type="datetimeFigureOut">
               <a:rPr lang="en-US" smtClean="0"/>
-              <a:t>1/8/2024</a:t>
+              <a:t>1/11/2024</a:t>
             </a:fld>
             <a:endParaRPr lang="en-US"/>
           </a:p>
@@ -2416,7 +2417,7 @@
           <a:p>
             <a:fld id="{F07CD3FD-BE54-4400-942B-C6C15AA73DFD}" type="datetimeFigureOut">
               <a:rPr lang="en-US" smtClean="0"/>
-              <a:t>1/8/2024</a:t>
+              <a:t>1/11/2024</a:t>
             </a:fld>
             <a:endParaRPr lang="en-US"/>
           </a:p>
@@ -2707,7 +2708,7 @@
           <a:p>
             <a:fld id="{F07CD3FD-BE54-4400-942B-C6C15AA73DFD}" type="datetimeFigureOut">
               <a:rPr lang="en-US" smtClean="0"/>
-              <a:t>1/8/2024</a:t>
+              <a:t>1/11/2024</a:t>
             </a:fld>
             <a:endParaRPr lang="en-US"/>
           </a:p>
@@ -2949,7 +2950,7 @@
           <a:p>
             <a:fld id="{F07CD3FD-BE54-4400-942B-C6C15AA73DFD}" type="datetimeFigureOut">
               <a:rPr lang="en-US" smtClean="0"/>
-              <a:t>1/8/2024</a:t>
+              <a:t>1/11/2024</a:t>
             </a:fld>
             <a:endParaRPr lang="en-US"/>
           </a:p>
@@ -3604,8 +3605,8 @@
         </p:nvSpPr>
         <p:spPr>
           <a:xfrm>
-            <a:off x="925605" y="2067339"/>
-            <a:ext cx="5858693" cy="2274927"/>
+            <a:off x="997529" y="2584204"/>
+            <a:ext cx="5962212" cy="2155627"/>
           </a:xfrm>
         </p:spPr>
         <p:txBody>
@@ -3615,11 +3616,12 @@
           <a:lstStyle/>
           <a:p>
             <a:r>
-              <a:rPr lang="ru-RU" sz="8000" dirty="0">
+              <a:rPr lang="ru-RU" sz="7200" dirty="0">
                 <a:solidFill>
                   <a:srgbClr val="FFFFFF"/>
                 </a:solidFill>
-                <a:latin typeface="Franklin Gothic Book" panose="020B0503020102020204" pitchFamily="34" charset="0"/>
+                <a:latin typeface="Segoe UI Light" panose="020B0502040204020203" pitchFamily="34" charset="0"/>
+                <a:cs typeface="Segoe UI Light" panose="020B0502040204020203" pitchFamily="34" charset="0"/>
               </a:rPr>
               <a:t>Сборник игр</a:t>
             </a:r>
@@ -4126,6 +4128,36 @@
           </a:p>
         </p:txBody>
       </p:sp>
+      <p:pic>
+        <p:nvPicPr>
+          <p:cNvPr id="2" name="Рисунок 1">
+            <a:extLst>
+              <a:ext uri="{FF2B5EF4-FFF2-40B4-BE49-F238E27FC236}">
+                <a16:creationId xmlns:a16="http://schemas.microsoft.com/office/drawing/2014/main" id="{2ED19E89-85E2-4EBA-B399-91A239A3E595}"/>
+              </a:ext>
+            </a:extLst>
+          </p:cNvPr>
+          <p:cNvPicPr>
+            <a:picLocks noChangeAspect="1"/>
+          </p:cNvPicPr>
+          <p:nvPr/>
+        </p:nvPicPr>
+        <p:blipFill>
+          <a:blip r:embed="rId3"/>
+          <a:stretch>
+            <a:fillRect/>
+          </a:stretch>
+        </p:blipFill>
+        <p:spPr>
+          <a:xfrm>
+            <a:off x="6582893" y="1072253"/>
+            <a:ext cx="4705663" cy="4713493"/>
+          </a:xfrm>
+          <a:prstGeom prst="rect">
+            <a:avLst/>
+          </a:prstGeom>
+        </p:spPr>
+      </p:pic>
     </p:spTree>
     <p:extLst>
       <p:ext uri="{BB962C8B-B14F-4D97-AF65-F5344CB8AC3E}">
@@ -4140,6 +4172,356 @@
 </file>
 
 <file path=ppt/slides/slide11.xml><?xml version="1.0" encoding="utf-8"?>
+<p:sld xmlns:a="http://schemas.openxmlformats.org/drawingml/2006/main" xmlns:r="http://schemas.openxmlformats.org/officeDocument/2006/relationships" xmlns:p="http://schemas.openxmlformats.org/presentationml/2006/main">
+  <p:cSld>
+    <p:spTree>
+      <p:nvGrpSpPr>
+        <p:cNvPr id="1" name=""/>
+        <p:cNvGrpSpPr/>
+        <p:nvPr/>
+      </p:nvGrpSpPr>
+      <p:grpSpPr>
+        <a:xfrm>
+          <a:off x="0" y="0"/>
+          <a:ext cx="0" cy="0"/>
+          <a:chOff x="0" y="0"/>
+          <a:chExt cx="0" cy="0"/>
+        </a:xfrm>
+      </p:grpSpPr>
+      <p:pic>
+        <p:nvPicPr>
+          <p:cNvPr id="4" name="Picture 3">
+            <a:extLst>
+              <a:ext uri="{FF2B5EF4-FFF2-40B4-BE49-F238E27FC236}">
+                <a16:creationId xmlns:a16="http://schemas.microsoft.com/office/drawing/2014/main" id="{EDABAC0C-7905-8EDC-8355-848AE6C465F2}"/>
+              </a:ext>
+            </a:extLst>
+          </p:cNvPr>
+          <p:cNvPicPr>
+            <a:picLocks noChangeAspect="1"/>
+          </p:cNvPicPr>
+          <p:nvPr/>
+        </p:nvPicPr>
+        <p:blipFill rotWithShape="1">
+          <a:blip r:embed="rId2"/>
+          <a:srcRect l="17432" r="16094" b="1"/>
+          <a:stretch/>
+        </p:blipFill>
+        <p:spPr>
+          <a:xfrm>
+            <a:off x="5679452" y="10"/>
+            <a:ext cx="6512547" cy="6857990"/>
+          </a:xfrm>
+          <a:prstGeom prst="rect">
+            <a:avLst/>
+          </a:prstGeom>
+        </p:spPr>
+      </p:pic>
+      <p:sp>
+        <p:nvSpPr>
+          <p:cNvPr id="8" name="Подзаголовок 2">
+            <a:extLst>
+              <a:ext uri="{FF2B5EF4-FFF2-40B4-BE49-F238E27FC236}">
+                <a16:creationId xmlns:a16="http://schemas.microsoft.com/office/drawing/2014/main" id="{6E7686B1-54D0-EFC0-0480-1D5D5E3E696E}"/>
+              </a:ext>
+            </a:extLst>
+          </p:cNvPr>
+          <p:cNvSpPr txBox="1">
+            <a:spLocks/>
+          </p:cNvSpPr>
+          <p:nvPr/>
+        </p:nvSpPr>
+        <p:spPr>
+          <a:xfrm>
+            <a:off x="559966" y="1239591"/>
+            <a:ext cx="4562351" cy="4702896"/>
+          </a:xfrm>
+          <a:prstGeom prst="rect">
+            <a:avLst/>
+          </a:prstGeom>
+        </p:spPr>
+        <p:txBody>
+          <a:bodyPr vert="horz" lIns="91440" tIns="45720" rIns="91440" bIns="45720" rtlCol="0" anchor="t">
+            <a:noAutofit/>
+          </a:bodyPr>
+          <a:lstStyle>
+            <a:lvl1pPr marL="228600" indent="-228600" algn="l" defTabSz="914400" rtl="0" eaLnBrk="1" latinLnBrk="0" hangingPunct="1">
+              <a:lnSpc>
+                <a:spcPct val="120000"/>
+              </a:lnSpc>
+              <a:spcBef>
+                <a:spcPts val="1000"/>
+              </a:spcBef>
+              <a:buSzPct val="87000"/>
+              <a:buFont typeface="Arial" panose="020B0604020202020204" pitchFamily="34" charset="0"/>
+              <a:buChar char="•"/>
+              <a:defRPr sz="2000" kern="1200">
+                <a:solidFill>
+                  <a:schemeClr val="tx1"/>
+                </a:solidFill>
+                <a:latin typeface="+mn-lt"/>
+                <a:ea typeface="+mn-ea"/>
+                <a:cs typeface="+mn-cs"/>
+              </a:defRPr>
+            </a:lvl1pPr>
+            <a:lvl2pPr marL="493776" indent="-228600" algn="l" defTabSz="914400" rtl="0" eaLnBrk="1" latinLnBrk="0" hangingPunct="1">
+              <a:lnSpc>
+                <a:spcPct val="120000"/>
+              </a:lnSpc>
+              <a:spcBef>
+                <a:spcPts val="500"/>
+              </a:spcBef>
+              <a:buSzPct val="87000"/>
+              <a:buFont typeface="Arial" panose="020B0604020202020204" pitchFamily="34" charset="0"/>
+              <a:buChar char="•"/>
+              <a:defRPr sz="1800" kern="1200">
+                <a:solidFill>
+                  <a:schemeClr val="tx1"/>
+                </a:solidFill>
+                <a:latin typeface="+mn-lt"/>
+                <a:ea typeface="+mn-ea"/>
+                <a:cs typeface="+mn-cs"/>
+              </a:defRPr>
+            </a:lvl2pPr>
+            <a:lvl3pPr marL="731520" indent="-228600" algn="l" defTabSz="914400" rtl="0" eaLnBrk="1" latinLnBrk="0" hangingPunct="1">
+              <a:lnSpc>
+                <a:spcPct val="120000"/>
+              </a:lnSpc>
+              <a:spcBef>
+                <a:spcPts val="500"/>
+              </a:spcBef>
+              <a:buSzPct val="87000"/>
+              <a:buFont typeface="Arial" panose="020B0604020202020204" pitchFamily="34" charset="0"/>
+              <a:buChar char="•"/>
+              <a:defRPr sz="1600" kern="1200">
+                <a:solidFill>
+                  <a:schemeClr val="tx1"/>
+                </a:solidFill>
+                <a:latin typeface="+mn-lt"/>
+                <a:ea typeface="+mn-ea"/>
+                <a:cs typeface="+mn-cs"/>
+              </a:defRPr>
+            </a:lvl3pPr>
+            <a:lvl4pPr marL="1051560" indent="-285750" algn="l" defTabSz="914400" rtl="0" eaLnBrk="1" latinLnBrk="0" hangingPunct="1">
+              <a:lnSpc>
+                <a:spcPct val="120000"/>
+              </a:lnSpc>
+              <a:spcBef>
+                <a:spcPts val="500"/>
+              </a:spcBef>
+              <a:buSzPct val="87000"/>
+              <a:buFont typeface="Arial" panose="020B0604020202020204" pitchFamily="34" charset="0"/>
+              <a:buChar char="•"/>
+              <a:defRPr sz="1400" kern="1200">
+                <a:solidFill>
+                  <a:schemeClr val="tx1"/>
+                </a:solidFill>
+                <a:latin typeface="+mn-lt"/>
+                <a:ea typeface="+mn-ea"/>
+                <a:cs typeface="+mn-cs"/>
+              </a:defRPr>
+            </a:lvl4pPr>
+            <a:lvl5pPr marL="1298448" indent="-228600" algn="l" defTabSz="914400" rtl="0" eaLnBrk="1" latinLnBrk="0" hangingPunct="1">
+              <a:lnSpc>
+                <a:spcPct val="120000"/>
+              </a:lnSpc>
+              <a:spcBef>
+                <a:spcPts val="500"/>
+              </a:spcBef>
+              <a:buSzPct val="87000"/>
+              <a:buFont typeface="Arial" panose="020B0604020202020204" pitchFamily="34" charset="0"/>
+              <a:buChar char="•"/>
+              <a:defRPr sz="1400" kern="1200">
+                <a:solidFill>
+                  <a:schemeClr val="tx1"/>
+                </a:solidFill>
+                <a:latin typeface="+mn-lt"/>
+                <a:ea typeface="+mn-ea"/>
+                <a:cs typeface="+mn-cs"/>
+              </a:defRPr>
+            </a:lvl5pPr>
+            <a:lvl6pPr marL="2514600" indent="-228600" algn="l" defTabSz="914400" rtl="0" eaLnBrk="1" latinLnBrk="0" hangingPunct="1">
+              <a:lnSpc>
+                <a:spcPct val="90000"/>
+              </a:lnSpc>
+              <a:spcBef>
+                <a:spcPts val="500"/>
+              </a:spcBef>
+              <a:buFont typeface="Arial" panose="020B0604020202020204" pitchFamily="34" charset="0"/>
+              <a:buChar char="•"/>
+              <a:defRPr sz="1800" kern="1200">
+                <a:solidFill>
+                  <a:schemeClr val="tx1"/>
+                </a:solidFill>
+                <a:latin typeface="+mn-lt"/>
+                <a:ea typeface="+mn-ea"/>
+                <a:cs typeface="+mn-cs"/>
+              </a:defRPr>
+            </a:lvl6pPr>
+            <a:lvl7pPr marL="2971800" indent="-228600" algn="l" defTabSz="914400" rtl="0" eaLnBrk="1" latinLnBrk="0" hangingPunct="1">
+              <a:lnSpc>
+                <a:spcPct val="90000"/>
+              </a:lnSpc>
+              <a:spcBef>
+                <a:spcPts val="500"/>
+              </a:spcBef>
+              <a:buFont typeface="Arial" panose="020B0604020202020204" pitchFamily="34" charset="0"/>
+              <a:buChar char="•"/>
+              <a:defRPr sz="1800" kern="1200">
+                <a:solidFill>
+                  <a:schemeClr val="tx1"/>
+                </a:solidFill>
+                <a:latin typeface="+mn-lt"/>
+                <a:ea typeface="+mn-ea"/>
+                <a:cs typeface="+mn-cs"/>
+              </a:defRPr>
+            </a:lvl7pPr>
+            <a:lvl8pPr marL="3429000" indent="-228600" algn="l" defTabSz="914400" rtl="0" eaLnBrk="1" latinLnBrk="0" hangingPunct="1">
+              <a:lnSpc>
+                <a:spcPct val="90000"/>
+              </a:lnSpc>
+              <a:spcBef>
+                <a:spcPts val="500"/>
+              </a:spcBef>
+              <a:buFont typeface="Arial" panose="020B0604020202020204" pitchFamily="34" charset="0"/>
+              <a:buChar char="•"/>
+              <a:defRPr sz="1800" kern="1200">
+                <a:solidFill>
+                  <a:schemeClr val="tx1"/>
+                </a:solidFill>
+                <a:latin typeface="+mn-lt"/>
+                <a:ea typeface="+mn-ea"/>
+                <a:cs typeface="+mn-cs"/>
+              </a:defRPr>
+            </a:lvl8pPr>
+            <a:lvl9pPr marL="3886200" indent="-228600" algn="l" defTabSz="914400" rtl="0" eaLnBrk="1" latinLnBrk="0" hangingPunct="1">
+              <a:lnSpc>
+                <a:spcPct val="90000"/>
+              </a:lnSpc>
+              <a:spcBef>
+                <a:spcPts val="500"/>
+              </a:spcBef>
+              <a:buFont typeface="Arial" panose="020B0604020202020204" pitchFamily="34" charset="0"/>
+              <a:buChar char="•"/>
+              <a:defRPr sz="1800" kern="1200">
+                <a:solidFill>
+                  <a:schemeClr val="tx1"/>
+                </a:solidFill>
+                <a:latin typeface="+mn-lt"/>
+                <a:ea typeface="+mn-ea"/>
+                <a:cs typeface="+mn-cs"/>
+              </a:defRPr>
+            </a:lvl9pPr>
+          </a:lstStyle>
+          <a:p>
+            <a:pPr marL="0" indent="0">
+              <a:lnSpc>
+                <a:spcPct val="100000"/>
+              </a:lnSpc>
+              <a:buNone/>
+            </a:pPr>
+            <a:r>
+              <a:rPr lang="ru-RU" sz="2800" b="1" dirty="0">
+                <a:solidFill>
+                  <a:srgbClr val="000000"/>
+                </a:solidFill>
+                <a:latin typeface="Grandview Display"/>
+                <a:cs typeface="Helvetica"/>
+              </a:rPr>
+              <a:t>Когда пользователь завершает игру ему выводится окно с надписью «Вы выиграли» или «Вы проиграли», также есть кнопка, чтобы начать новую игру.</a:t>
+            </a:r>
+          </a:p>
+          <a:p>
+            <a:pPr marL="0" indent="0">
+              <a:lnSpc>
+                <a:spcPct val="100000"/>
+              </a:lnSpc>
+              <a:buNone/>
+            </a:pPr>
+            <a:endParaRPr lang="ru-RU" sz="2800" dirty="0">
+              <a:solidFill>
+                <a:srgbClr val="000000"/>
+              </a:solidFill>
+              <a:latin typeface="Grandview Display"/>
+              <a:cs typeface="Helvetica"/>
+            </a:endParaRPr>
+          </a:p>
+        </p:txBody>
+      </p:sp>
+      <p:pic>
+        <p:nvPicPr>
+          <p:cNvPr id="3" name="Рисунок 2">
+            <a:extLst>
+              <a:ext uri="{FF2B5EF4-FFF2-40B4-BE49-F238E27FC236}">
+                <a16:creationId xmlns:a16="http://schemas.microsoft.com/office/drawing/2014/main" id="{B852670E-3F05-430D-B555-51992812028D}"/>
+              </a:ext>
+            </a:extLst>
+          </p:cNvPr>
+          <p:cNvPicPr>
+            <a:picLocks noChangeAspect="1"/>
+          </p:cNvPicPr>
+          <p:nvPr/>
+        </p:nvPicPr>
+        <p:blipFill>
+          <a:blip r:embed="rId3"/>
+          <a:stretch>
+            <a:fillRect/>
+          </a:stretch>
+        </p:blipFill>
+        <p:spPr>
+          <a:xfrm>
+            <a:off x="7057232" y="711365"/>
+            <a:ext cx="3756986" cy="2552921"/>
+          </a:xfrm>
+          <a:prstGeom prst="rect">
+            <a:avLst/>
+          </a:prstGeom>
+        </p:spPr>
+      </p:pic>
+      <p:pic>
+        <p:nvPicPr>
+          <p:cNvPr id="5" name="Рисунок 4">
+            <a:extLst>
+              <a:ext uri="{FF2B5EF4-FFF2-40B4-BE49-F238E27FC236}">
+                <a16:creationId xmlns:a16="http://schemas.microsoft.com/office/drawing/2014/main" id="{89944028-CCD0-43BA-8D8F-9880F2A3A4B4}"/>
+              </a:ext>
+            </a:extLst>
+          </p:cNvPr>
+          <p:cNvPicPr>
+            <a:picLocks noChangeAspect="1"/>
+          </p:cNvPicPr>
+          <p:nvPr/>
+        </p:nvPicPr>
+        <p:blipFill>
+          <a:blip r:embed="rId4"/>
+          <a:stretch>
+            <a:fillRect/>
+          </a:stretch>
+        </p:blipFill>
+        <p:spPr>
+          <a:xfrm>
+            <a:off x="7052280" y="3687417"/>
+            <a:ext cx="3756986" cy="2617715"/>
+          </a:xfrm>
+          <a:prstGeom prst="rect">
+            <a:avLst/>
+          </a:prstGeom>
+        </p:spPr>
+      </p:pic>
+    </p:spTree>
+    <p:extLst>
+      <p:ext uri="{BB962C8B-B14F-4D97-AF65-F5344CB8AC3E}">
+        <p14:creationId xmlns:p14="http://schemas.microsoft.com/office/powerpoint/2010/main" val="2445910978"/>
+      </p:ext>
+    </p:extLst>
+  </p:cSld>
+  <p:clrMapOvr>
+    <a:masterClrMapping/>
+  </p:clrMapOvr>
+</p:sld>
+</file>
+
+<file path=ppt/slides/slide12.xml><?xml version="1.0" encoding="utf-8"?>
 <p:sld xmlns:a="http://schemas.openxmlformats.org/drawingml/2006/main" xmlns:r="http://schemas.openxmlformats.org/officeDocument/2006/relationships" xmlns:p="http://schemas.openxmlformats.org/presentationml/2006/main">
   <p:cSld>
     <p:spTree>
@@ -4568,7 +4950,7 @@
 </p:sld>
 </file>
 
-<file path=ppt/slides/slide12.xml><?xml version="1.0" encoding="utf-8"?>
+<file path=ppt/slides/slide13.xml><?xml version="1.0" encoding="utf-8"?>
 <p:sld xmlns:a="http://schemas.openxmlformats.org/drawingml/2006/main" xmlns:r="http://schemas.openxmlformats.org/officeDocument/2006/relationships" xmlns:p="http://schemas.openxmlformats.org/presentationml/2006/main">
   <p:cSld>
     <p:spTree>
